--- a/documents/Sr Design Poster.pptx
+++ b/documents/Sr Design Poster.pptx
@@ -3112,14 +3112,31 @@
         </p:nvSpPr>
         <p:spPr/>
         <p:txBody>
-          <a:bodyPr/>
+          <a:bodyPr>
+            <a:normAutofit/>
+          </a:bodyPr>
           <a:lstStyle/>
           <a:p>
             <a:r>
               <a:rPr lang="en-US" dirty="0" smtClean="0"/>
-              <a:t>Christmas Lights Animation</a:t>
-            </a:r>
-            <a:endParaRPr lang="en-US" dirty="0"/>
+              <a:t>Christmas Lights </a:t>
+            </a:r>
+            <a:r>
+              <a:rPr lang="en-US" dirty="0" smtClean="0"/>
+              <a:t>Animation</a:t>
+            </a:r>
+            <a:br>
+              <a:rPr lang="en-US" dirty="0" smtClean="0"/>
+            </a:br>
+            <a:r>
+              <a:rPr lang="en-US" sz="5400" dirty="0" smtClean="0"/>
+              <a:t>By: A</a:t>
+            </a:r>
+            <a:r>
+              <a:rPr lang="en-US" sz="5400" dirty="0" smtClean="0"/>
+              <a:t>ustin Wentz and Jordan Doell</a:t>
+            </a:r>
+            <a:endParaRPr lang="en-US" sz="5400" dirty="0"/>
           </a:p>
         </p:txBody>
       </p:sp>
@@ -3173,10 +3190,76 @@
           </a:xfrm>
         </p:spPr>
         <p:txBody>
-          <a:bodyPr/>
-          <a:lstStyle/>
-          <a:p>
-            <a:endParaRPr lang="en-US" dirty="0"/>
+          <a:bodyPr>
+            <a:normAutofit/>
+          </a:bodyPr>
+          <a:lstStyle/>
+          <a:p>
+            <a:endParaRPr lang="en-US" sz="5400" dirty="0" smtClean="0"/>
+          </a:p>
+          <a:p>
+            <a:r>
+              <a:rPr lang="en-US" sz="7200" dirty="0" smtClean="0"/>
+              <a:t>Flowchart or iPhone storyboard</a:t>
+            </a:r>
+            <a:endParaRPr lang="en-US" sz="7200" dirty="0"/>
+          </a:p>
+          <a:p>
+            <a:endParaRPr lang="en-US" sz="5400" dirty="0" smtClean="0"/>
+          </a:p>
+          <a:p>
+            <a:pPr marL="0" indent="0">
+              <a:buNone/>
+            </a:pPr>
+            <a:endParaRPr lang="en-US" sz="5400" dirty="0" smtClean="0"/>
+          </a:p>
+          <a:p>
+            <a:r>
+              <a:rPr lang="en-US" sz="5400" dirty="0" smtClean="0"/>
+              <a:t>iPhone® app</a:t>
+            </a:r>
+          </a:p>
+          <a:p>
+            <a:r>
+              <a:rPr lang="en-US" sz="5400" dirty="0" smtClean="0"/>
+              <a:t>“Controls the system”</a:t>
+            </a:r>
+          </a:p>
+          <a:p>
+            <a:r>
+              <a:rPr lang="en-US" sz="5400" dirty="0" smtClean="0"/>
+              <a:t>Sends commands to the server</a:t>
+            </a:r>
+          </a:p>
+          <a:p>
+            <a:pPr lvl="1"/>
+            <a:r>
+              <a:rPr lang="en-US" sz="5400" dirty="0" smtClean="0"/>
+              <a:t>Play a song</a:t>
+            </a:r>
+          </a:p>
+          <a:p>
+            <a:pPr lvl="1"/>
+            <a:r>
+              <a:rPr lang="en-US" sz="5400" dirty="0" smtClean="0"/>
+              <a:t>Pause a song</a:t>
+            </a:r>
+          </a:p>
+          <a:p>
+            <a:pPr lvl="1"/>
+            <a:r>
+              <a:rPr lang="en-US" sz="5400" dirty="0" smtClean="0"/>
+              <a:t>Can change each channel’s brightness</a:t>
+            </a:r>
+          </a:p>
+          <a:p>
+            <a:r>
+              <a:rPr lang="en-US" sz="5400" dirty="0" smtClean="0"/>
+              <a:t>Sends commands using JSON data format</a:t>
+            </a:r>
+          </a:p>
+          <a:p>
+            <a:endParaRPr lang="en-US" sz="5400" dirty="0"/>
           </a:p>
         </p:txBody>
       </p:sp>
@@ -3229,7 +3312,37 @@
           <a:bodyPr/>
           <a:lstStyle/>
           <a:p>
-            <a:endParaRPr lang="en-US" dirty="0"/>
+            <a:r>
+              <a:rPr lang="en-US" sz="5400" dirty="0" smtClean="0"/>
+              <a:t>Stuff about the server</a:t>
+            </a:r>
+          </a:p>
+          <a:p>
+            <a:endParaRPr lang="en-US" sz="5400" dirty="0"/>
+          </a:p>
+          <a:p>
+            <a:endParaRPr lang="en-US" sz="5400" dirty="0" smtClean="0"/>
+          </a:p>
+          <a:p>
+            <a:endParaRPr lang="en-US" sz="5400" dirty="0"/>
+          </a:p>
+          <a:p>
+            <a:endParaRPr lang="en-US" sz="5400" dirty="0" smtClean="0"/>
+          </a:p>
+          <a:p>
+            <a:endParaRPr lang="en-US" sz="5400" dirty="0"/>
+          </a:p>
+          <a:p>
+            <a:endParaRPr lang="en-US" sz="5400" dirty="0" smtClean="0"/>
+          </a:p>
+          <a:p>
+            <a:r>
+              <a:rPr lang="en-US" sz="9600" dirty="0"/>
+              <a:t>??diagram of system from app to server to hardware</a:t>
+            </a:r>
+          </a:p>
+          <a:p>
+            <a:endParaRPr lang="en-US" sz="5400" dirty="0"/>
           </a:p>
         </p:txBody>
       </p:sp>
@@ -3279,10 +3392,188 @@
           </a:xfrm>
         </p:spPr>
         <p:txBody>
-          <a:bodyPr/>
-          <a:lstStyle/>
-          <a:p>
-            <a:endParaRPr lang="en-US" dirty="0"/>
+          <a:bodyPr>
+            <a:normAutofit/>
+          </a:bodyPr>
+          <a:lstStyle/>
+          <a:p>
+            <a:r>
+              <a:rPr lang="en-US" sz="5400" dirty="0" smtClean="0"/>
+              <a:t>Hardware information and pictures</a:t>
+            </a:r>
+            <a:endParaRPr lang="en-US" sz="5400" dirty="0"/>
+          </a:p>
+        </p:txBody>
+      </p:sp>
+      <p:pic>
+        <p:nvPicPr>
+          <p:cNvPr id="12" name="Picture 11" descr="Screen Shot 2013-03-20 at 4.56.06 PM.png"/>
+          <p:cNvPicPr>
+            <a:picLocks noChangeAspect="1"/>
+          </p:cNvPicPr>
+          <p:nvPr/>
+        </p:nvPicPr>
+        <p:blipFill>
+          <a:blip r:embed="rId2"/>
+          <a:stretch>
+            <a:fillRect/>
+          </a:stretch>
+        </p:blipFill>
+        <p:spPr>
+          <a:xfrm>
+            <a:off x="1618706" y="1447800"/>
+            <a:ext cx="2834640" cy="5486400"/>
+          </a:xfrm>
+          <a:prstGeom prst="roundRect">
+            <a:avLst>
+              <a:gd name="adj" fmla="val 11111"/>
+            </a:avLst>
+          </a:prstGeom>
+          <a:ln w="190500" cap="rnd">
+            <a:solidFill>
+              <a:srgbClr val="C8C6BD"/>
+            </a:solidFill>
+            <a:prstDash val="solid"/>
+          </a:ln>
+          <a:effectLst>
+            <a:outerShdw blurRad="101600" dist="50800" dir="7200000" algn="tl" rotWithShape="0">
+              <a:srgbClr val="000000">
+                <a:alpha val="45000"/>
+              </a:srgbClr>
+            </a:outerShdw>
+          </a:effectLst>
+          <a:scene3d>
+            <a:camera prst="perspectiveFront" fov="5400000"/>
+            <a:lightRig rig="threePt" dir="t">
+              <a:rot lat="0" lon="0" rev="19200000"/>
+            </a:lightRig>
+          </a:scene3d>
+          <a:sp3d extrusionH="25400">
+            <a:bevelT w="304800" h="152400" prst="hardEdge"/>
+            <a:extrusionClr>
+              <a:srgbClr val="FFFFFF"/>
+            </a:extrusionClr>
+          </a:sp3d>
+        </p:spPr>
+      </p:pic>
+      <p:pic>
+        <p:nvPicPr>
+          <p:cNvPr id="13" name="Picture 2" descr="http://3.bp.blogspot.com/-rMWOJSD6B08/TviTPhqHvAI/AAAAAAAAAbg/xMHjQIMeY9Y/s1600/ChristmasLights.png"/>
+          <p:cNvPicPr>
+            <a:picLocks noChangeAspect="1" noChangeArrowheads="1"/>
+          </p:cNvPicPr>
+          <p:nvPr/>
+        </p:nvPicPr>
+        <p:blipFill>
+          <a:blip r:embed="rId3" cstate="print">
+            <a:extLst>
+              <a:ext uri="{28A0092B-C50C-407E-A947-70E740481C1C}">
+                <a14:useLocalDpi xmlns:a14="http://schemas.microsoft.com/office/drawing/2010/main" val="0"/>
+              </a:ext>
+            </a:extLst>
+          </a:blip>
+          <a:srcRect/>
+          <a:stretch>
+            <a:fillRect/>
+          </a:stretch>
+        </p:blipFill>
+        <p:spPr bwMode="auto">
+          <a:xfrm rot="2661585">
+            <a:off x="31700556" y="2985515"/>
+            <a:ext cx="9244555" cy="1727517"/>
+          </a:xfrm>
+          <a:prstGeom prst="rect">
+            <a:avLst/>
+          </a:prstGeom>
+          <a:noFill/>
+          <a:extLst>
+            <a:ext uri="{909E8E84-426E-40DD-AFC4-6F175D3DCCD1}">
+              <a14:hiddenFill xmlns:a14="http://schemas.microsoft.com/office/drawing/2010/main">
+                <a:solidFill>
+                  <a:srgbClr val="FFFFFF"/>
+                </a:solidFill>
+              </a14:hiddenFill>
+            </a:ext>
+          </a:extLst>
+        </p:spPr>
+      </p:pic>
+      <p:sp>
+        <p:nvSpPr>
+          <p:cNvPr id="3" name="Right Arrow 2"/>
+          <p:cNvSpPr/>
+          <p:nvPr/>
+        </p:nvSpPr>
+        <p:spPr>
+          <a:xfrm>
+            <a:off x="13030200" y="12522868"/>
+            <a:ext cx="1981200" cy="1143000"/>
+          </a:xfrm>
+          <a:prstGeom prst="rightArrow">
+            <a:avLst/>
+          </a:prstGeom>
+        </p:spPr>
+        <p:style>
+          <a:lnRef idx="2">
+            <a:schemeClr val="accent1">
+              <a:shade val="50000"/>
+            </a:schemeClr>
+          </a:lnRef>
+          <a:fillRef idx="1">
+            <a:schemeClr val="accent1"/>
+          </a:fillRef>
+          <a:effectRef idx="0">
+            <a:schemeClr val="accent1"/>
+          </a:effectRef>
+          <a:fontRef idx="minor">
+            <a:schemeClr val="lt1"/>
+          </a:fontRef>
+        </p:style>
+        <p:txBody>
+          <a:bodyPr rtlCol="0" anchor="ctr"/>
+          <a:lstStyle/>
+          <a:p>
+            <a:pPr algn="ctr"/>
+            <a:endParaRPr lang="en-US"/>
+          </a:p>
+        </p:txBody>
+      </p:sp>
+      <p:sp>
+        <p:nvSpPr>
+          <p:cNvPr id="15" name="Right Arrow 14"/>
+          <p:cNvSpPr/>
+          <p:nvPr/>
+        </p:nvSpPr>
+        <p:spPr>
+          <a:xfrm>
+            <a:off x="25222200" y="12496800"/>
+            <a:ext cx="1981200" cy="1143000"/>
+          </a:xfrm>
+          <a:prstGeom prst="rightArrow">
+            <a:avLst/>
+          </a:prstGeom>
+        </p:spPr>
+        <p:style>
+          <a:lnRef idx="2">
+            <a:schemeClr val="accent1">
+              <a:shade val="50000"/>
+            </a:schemeClr>
+          </a:lnRef>
+          <a:fillRef idx="1">
+            <a:schemeClr val="accent1"/>
+          </a:fillRef>
+          <a:effectRef idx="0">
+            <a:schemeClr val="accent1"/>
+          </a:effectRef>
+          <a:fontRef idx="minor">
+            <a:schemeClr val="lt1"/>
+          </a:fontRef>
+        </p:style>
+        <p:txBody>
+          <a:bodyPr rtlCol="0" anchor="ctr"/>
+          <a:lstStyle/>
+          <a:p>
+            <a:pPr algn="ctr"/>
+            <a:endParaRPr lang="en-US"/>
           </a:p>
         </p:txBody>
       </p:sp>

--- a/documents/Sr Design Poster.pptx
+++ b/documents/Sr Design Poster.pptx
@@ -288,7 +288,7 @@
           <a:p>
             <a:fld id="{21B0C59E-6598-4E07-A350-1E5B2E2EC667}" type="datetimeFigureOut">
               <a:rPr lang="en-US" smtClean="0"/>
-              <a:t>4/2/2013</a:t>
+              <a:t>4/8/2013</a:t>
             </a:fld>
             <a:endParaRPr lang="en-US"/>
           </a:p>
@@ -458,7 +458,7 @@
           <a:p>
             <a:fld id="{21B0C59E-6598-4E07-A350-1E5B2E2EC667}" type="datetimeFigureOut">
               <a:rPr lang="en-US" smtClean="0"/>
-              <a:t>4/2/2013</a:t>
+              <a:t>4/8/2013</a:t>
             </a:fld>
             <a:endParaRPr lang="en-US"/>
           </a:p>
@@ -638,7 +638,7 @@
           <a:p>
             <a:fld id="{21B0C59E-6598-4E07-A350-1E5B2E2EC667}" type="datetimeFigureOut">
               <a:rPr lang="en-US" smtClean="0"/>
-              <a:t>4/2/2013</a:t>
+              <a:t>4/8/2013</a:t>
             </a:fld>
             <a:endParaRPr lang="en-US"/>
           </a:p>
@@ -808,7 +808,7 @@
           <a:p>
             <a:fld id="{21B0C59E-6598-4E07-A350-1E5B2E2EC667}" type="datetimeFigureOut">
               <a:rPr lang="en-US" smtClean="0"/>
-              <a:t>4/2/2013</a:t>
+              <a:t>4/8/2013</a:t>
             </a:fld>
             <a:endParaRPr lang="en-US"/>
           </a:p>
@@ -1054,7 +1054,7 @@
           <a:p>
             <a:fld id="{21B0C59E-6598-4E07-A350-1E5B2E2EC667}" type="datetimeFigureOut">
               <a:rPr lang="en-US" smtClean="0"/>
-              <a:t>4/2/2013</a:t>
+              <a:t>4/8/2013</a:t>
             </a:fld>
             <a:endParaRPr lang="en-US"/>
           </a:p>
@@ -1342,7 +1342,7 @@
           <a:p>
             <a:fld id="{21B0C59E-6598-4E07-A350-1E5B2E2EC667}" type="datetimeFigureOut">
               <a:rPr lang="en-US" smtClean="0"/>
-              <a:t>4/2/2013</a:t>
+              <a:t>4/8/2013</a:t>
             </a:fld>
             <a:endParaRPr lang="en-US"/>
           </a:p>
@@ -1769,7 +1769,7 @@
           <a:p>
             <a:fld id="{21B0C59E-6598-4E07-A350-1E5B2E2EC667}" type="datetimeFigureOut">
               <a:rPr lang="en-US" smtClean="0"/>
-              <a:t>4/2/2013</a:t>
+              <a:t>4/8/2013</a:t>
             </a:fld>
             <a:endParaRPr lang="en-US"/>
           </a:p>
@@ -1887,7 +1887,7 @@
           <a:p>
             <a:fld id="{21B0C59E-6598-4E07-A350-1E5B2E2EC667}" type="datetimeFigureOut">
               <a:rPr lang="en-US" smtClean="0"/>
-              <a:t>4/2/2013</a:t>
+              <a:t>4/8/2013</a:t>
             </a:fld>
             <a:endParaRPr lang="en-US"/>
           </a:p>
@@ -1982,7 +1982,7 @@
           <a:p>
             <a:fld id="{21B0C59E-6598-4E07-A350-1E5B2E2EC667}" type="datetimeFigureOut">
               <a:rPr lang="en-US" smtClean="0"/>
-              <a:t>4/2/2013</a:t>
+              <a:t>4/8/2013</a:t>
             </a:fld>
             <a:endParaRPr lang="en-US"/>
           </a:p>
@@ -2259,7 +2259,7 @@
           <a:p>
             <a:fld id="{21B0C59E-6598-4E07-A350-1E5B2E2EC667}" type="datetimeFigureOut">
               <a:rPr lang="en-US" smtClean="0"/>
-              <a:t>4/2/2013</a:t>
+              <a:t>4/8/2013</a:t>
             </a:fld>
             <a:endParaRPr lang="en-US"/>
           </a:p>
@@ -2512,7 +2512,7 @@
           <a:p>
             <a:fld id="{21B0C59E-6598-4E07-A350-1E5B2E2EC667}" type="datetimeFigureOut">
               <a:rPr lang="en-US" smtClean="0"/>
-              <a:t>4/2/2013</a:t>
+              <a:t>4/8/2013</a:t>
             </a:fld>
             <a:endParaRPr lang="en-US"/>
           </a:p>
@@ -2725,7 +2725,7 @@
           <a:p>
             <a:fld id="{21B0C59E-6598-4E07-A350-1E5B2E2EC667}" type="datetimeFigureOut">
               <a:rPr lang="en-US" smtClean="0"/>
-              <a:t>4/2/2013</a:t>
+              <a:t>4/8/2013</a:t>
             </a:fld>
             <a:endParaRPr lang="en-US"/>
           </a:p>
@@ -3119,22 +3119,14 @@
           <a:p>
             <a:r>
               <a:rPr lang="en-US" dirty="0" smtClean="0"/>
-              <a:t>Christmas Lights </a:t>
-            </a:r>
-            <a:r>
-              <a:rPr lang="en-US" dirty="0" smtClean="0"/>
-              <a:t>Animation</a:t>
+              <a:t>Christmas Lights Animation</a:t>
             </a:r>
             <a:br>
               <a:rPr lang="en-US" dirty="0" smtClean="0"/>
             </a:br>
             <a:r>
               <a:rPr lang="en-US" sz="5400" dirty="0" smtClean="0"/>
-              <a:t>By: A</a:t>
-            </a:r>
-            <a:r>
-              <a:rPr lang="en-US" sz="5400" dirty="0" smtClean="0"/>
-              <a:t>ustin Wentz and Jordan Doell</a:t>
+              <a:t>By: Austin Wentz and Jordan Doell</a:t>
             </a:r>
             <a:endParaRPr lang="en-US" sz="5400" dirty="0"/>
           </a:p>
@@ -3198,13 +3190,39 @@
             <a:endParaRPr lang="en-US" sz="5400" dirty="0" smtClean="0"/>
           </a:p>
           <a:p>
-            <a:r>
-              <a:rPr lang="en-US" sz="7200" dirty="0" smtClean="0"/>
-              <a:t>Flowchart or iPhone storyboard</a:t>
-            </a:r>
-            <a:endParaRPr lang="en-US" sz="7200" dirty="0"/>
-          </a:p>
-          <a:p>
+            <a:pPr marL="0" indent="0">
+              <a:buNone/>
+            </a:pPr>
+            <a:endParaRPr lang="en-US" sz="5400" dirty="0" smtClean="0"/>
+          </a:p>
+          <a:p>
+            <a:pPr marL="0" indent="0">
+              <a:buNone/>
+            </a:pPr>
+            <a:endParaRPr lang="en-US" sz="5400" dirty="0"/>
+          </a:p>
+          <a:p>
+            <a:pPr marL="0" indent="0">
+              <a:buNone/>
+            </a:pPr>
+            <a:endParaRPr lang="en-US" sz="5400" dirty="0" smtClean="0"/>
+          </a:p>
+          <a:p>
+            <a:pPr marL="0" indent="0">
+              <a:buNone/>
+            </a:pPr>
+            <a:endParaRPr lang="en-US" sz="5400" dirty="0" smtClean="0"/>
+          </a:p>
+          <a:p>
+            <a:pPr marL="0" indent="0">
+              <a:buNone/>
+            </a:pPr>
+            <a:endParaRPr lang="en-US" sz="5400" dirty="0"/>
+          </a:p>
+          <a:p>
+            <a:pPr marL="0" indent="0">
+              <a:buNone/>
+            </a:pPr>
             <a:endParaRPr lang="en-US" sz="5400" dirty="0" smtClean="0"/>
           </a:p>
           <a:p>
@@ -3577,6 +3595,47 @@
           </a:p>
         </p:txBody>
       </p:sp>
+      <p:pic>
+        <p:nvPicPr>
+          <p:cNvPr id="1026" name="Picture 2" descr="C:\Users\1920221\Dropbox\Senior Design\storyboard.png"/>
+          <p:cNvPicPr>
+            <a:picLocks noChangeAspect="1" noChangeArrowheads="1"/>
+          </p:cNvPicPr>
+          <p:nvPr/>
+        </p:nvPicPr>
+        <p:blipFill>
+          <a:blip r:embed="rId4">
+            <a:extLst>
+              <a:ext uri="{28A0092B-C50C-407E-A947-70E740481C1C}">
+                <a14:useLocalDpi xmlns:a14="http://schemas.microsoft.com/office/drawing/2010/main" val="0"/>
+              </a:ext>
+            </a:extLst>
+          </a:blip>
+          <a:srcRect/>
+          <a:stretch>
+            <a:fillRect/>
+          </a:stretch>
+        </p:blipFill>
+        <p:spPr bwMode="auto">
+          <a:xfrm>
+            <a:off x="2801439" y="9982200"/>
+            <a:ext cx="8698774" cy="6702334"/>
+          </a:xfrm>
+          <a:prstGeom prst="rect">
+            <a:avLst/>
+          </a:prstGeom>
+          <a:noFill/>
+          <a:extLst>
+            <a:ext uri="{909E8E84-426E-40DD-AFC4-6F175D3DCCD1}">
+              <a14:hiddenFill xmlns:a14="http://schemas.microsoft.com/office/drawing/2010/main">
+                <a:solidFill>
+                  <a:srgbClr val="FFFFFF"/>
+                </a:solidFill>
+              </a14:hiddenFill>
+            </a:ext>
+          </a:extLst>
+        </p:spPr>
+      </p:pic>
     </p:spTree>
     <p:extLst>
       <p:ext uri="{BB962C8B-B14F-4D97-AF65-F5344CB8AC3E}">

--- a/documents/Sr Design Poster.pptx
+++ b/documents/Sr Design Poster.pptx
@@ -288,7 +288,7 @@
           <a:p>
             <a:fld id="{21B0C59E-6598-4E07-A350-1E5B2E2EC667}" type="datetimeFigureOut">
               <a:rPr lang="en-US" smtClean="0"/>
-              <a:t>4/8/2013</a:t>
+              <a:t>4/11/2013</a:t>
             </a:fld>
             <a:endParaRPr lang="en-US"/>
           </a:p>
@@ -458,7 +458,7 @@
           <a:p>
             <a:fld id="{21B0C59E-6598-4E07-A350-1E5B2E2EC667}" type="datetimeFigureOut">
               <a:rPr lang="en-US" smtClean="0"/>
-              <a:t>4/8/2013</a:t>
+              <a:t>4/11/2013</a:t>
             </a:fld>
             <a:endParaRPr lang="en-US"/>
           </a:p>
@@ -638,7 +638,7 @@
           <a:p>
             <a:fld id="{21B0C59E-6598-4E07-A350-1E5B2E2EC667}" type="datetimeFigureOut">
               <a:rPr lang="en-US" smtClean="0"/>
-              <a:t>4/8/2013</a:t>
+              <a:t>4/11/2013</a:t>
             </a:fld>
             <a:endParaRPr lang="en-US"/>
           </a:p>
@@ -808,7 +808,7 @@
           <a:p>
             <a:fld id="{21B0C59E-6598-4E07-A350-1E5B2E2EC667}" type="datetimeFigureOut">
               <a:rPr lang="en-US" smtClean="0"/>
-              <a:t>4/8/2013</a:t>
+              <a:t>4/11/2013</a:t>
             </a:fld>
             <a:endParaRPr lang="en-US"/>
           </a:p>
@@ -1054,7 +1054,7 @@
           <a:p>
             <a:fld id="{21B0C59E-6598-4E07-A350-1E5B2E2EC667}" type="datetimeFigureOut">
               <a:rPr lang="en-US" smtClean="0"/>
-              <a:t>4/8/2013</a:t>
+              <a:t>4/11/2013</a:t>
             </a:fld>
             <a:endParaRPr lang="en-US"/>
           </a:p>
@@ -1342,7 +1342,7 @@
           <a:p>
             <a:fld id="{21B0C59E-6598-4E07-A350-1E5B2E2EC667}" type="datetimeFigureOut">
               <a:rPr lang="en-US" smtClean="0"/>
-              <a:t>4/8/2013</a:t>
+              <a:t>4/11/2013</a:t>
             </a:fld>
             <a:endParaRPr lang="en-US"/>
           </a:p>
@@ -1769,7 +1769,7 @@
           <a:p>
             <a:fld id="{21B0C59E-6598-4E07-A350-1E5B2E2EC667}" type="datetimeFigureOut">
               <a:rPr lang="en-US" smtClean="0"/>
-              <a:t>4/8/2013</a:t>
+              <a:t>4/11/2013</a:t>
             </a:fld>
             <a:endParaRPr lang="en-US"/>
           </a:p>
@@ -1887,7 +1887,7 @@
           <a:p>
             <a:fld id="{21B0C59E-6598-4E07-A350-1E5B2E2EC667}" type="datetimeFigureOut">
               <a:rPr lang="en-US" smtClean="0"/>
-              <a:t>4/8/2013</a:t>
+              <a:t>4/11/2013</a:t>
             </a:fld>
             <a:endParaRPr lang="en-US"/>
           </a:p>
@@ -1982,7 +1982,7 @@
           <a:p>
             <a:fld id="{21B0C59E-6598-4E07-A350-1E5B2E2EC667}" type="datetimeFigureOut">
               <a:rPr lang="en-US" smtClean="0"/>
-              <a:t>4/8/2013</a:t>
+              <a:t>4/11/2013</a:t>
             </a:fld>
             <a:endParaRPr lang="en-US"/>
           </a:p>
@@ -2259,7 +2259,7 @@
           <a:p>
             <a:fld id="{21B0C59E-6598-4E07-A350-1E5B2E2EC667}" type="datetimeFigureOut">
               <a:rPr lang="en-US" smtClean="0"/>
-              <a:t>4/8/2013</a:t>
+              <a:t>4/11/2013</a:t>
             </a:fld>
             <a:endParaRPr lang="en-US"/>
           </a:p>
@@ -2512,7 +2512,7 @@
           <a:p>
             <a:fld id="{21B0C59E-6598-4E07-A350-1E5B2E2EC667}" type="datetimeFigureOut">
               <a:rPr lang="en-US" smtClean="0"/>
-              <a:t>4/8/2013</a:t>
+              <a:t>4/11/2013</a:t>
             </a:fld>
             <a:endParaRPr lang="en-US"/>
           </a:p>
@@ -2725,7 +2725,7 @@
           <a:p>
             <a:fld id="{21B0C59E-6598-4E07-A350-1E5B2E2EC667}" type="datetimeFigureOut">
               <a:rPr lang="en-US" smtClean="0"/>
-              <a:t>4/8/2013</a:t>
+              <a:t>4/11/2013</a:t>
             </a:fld>
             <a:endParaRPr lang="en-US"/>
           </a:p>
@@ -3113,7 +3113,7 @@
         <p:spPr/>
         <p:txBody>
           <a:bodyPr>
-            <a:normAutofit/>
+            <a:normAutofit fontScale="90000"/>
           </a:bodyPr>
           <a:lstStyle/>
           <a:p>
@@ -3126,7 +3126,33 @@
             </a:br>
             <a:r>
               <a:rPr lang="en-US" sz="5400" dirty="0" smtClean="0"/>
-              <a:t>By: Austin Wentz and Jordan Doell</a:t>
+              <a:t>By: Austin Wentz and Jordan </a:t>
+            </a:r>
+            <a:r>
+              <a:rPr lang="en-US" sz="5400" dirty="0" smtClean="0"/>
+              <a:t>Doell</a:t>
+            </a:r>
+            <a:br>
+              <a:rPr lang="en-US" sz="5400" dirty="0" smtClean="0"/>
+            </a:br>
+            <a:r>
+              <a:rPr lang="en-US" sz="5400" dirty="0" smtClean="0"/>
+              <a:t>Sponsor: L3 Communications</a:t>
+            </a:r>
+            <a:br>
+              <a:rPr lang="en-US" sz="5400" dirty="0" smtClean="0"/>
+            </a:br>
+            <a:r>
+              <a:rPr lang="en-US" sz="5400" dirty="0" err="1" smtClean="0"/>
+              <a:t>ScrumMaster</a:t>
+            </a:r>
+            <a:r>
+              <a:rPr lang="en-US" sz="5400" dirty="0" smtClean="0"/>
+              <a:t>: Dr. </a:t>
+            </a:r>
+            <a:r>
+              <a:rPr lang="en-US" sz="5400" dirty="0" err="1" smtClean="0"/>
+              <a:t>McGough</a:t>
             </a:r>
             <a:endParaRPr lang="en-US" sz="5400" dirty="0"/>
           </a:p>
@@ -3177,7 +3203,7 @@
         </p:nvSpPr>
         <p:spPr>
           <a:xfrm>
-            <a:off x="1828800" y="9224855"/>
+            <a:off x="1957283" y="9171701"/>
             <a:ext cx="10866119" cy="17912505"/>
           </a:xfrm>
         </p:spPr>
@@ -3199,6 +3225,12 @@
             <a:pPr marL="0" indent="0">
               <a:buNone/>
             </a:pPr>
+            <a:endParaRPr lang="en-US" sz="5400" dirty="0" smtClean="0"/>
+          </a:p>
+          <a:p>
+            <a:pPr marL="0" indent="0">
+              <a:buNone/>
+            </a:pPr>
             <a:endParaRPr lang="en-US" sz="5400" dirty="0"/>
           </a:p>
           <a:p>
@@ -3211,68 +3243,56 @@
             <a:pPr marL="0" indent="0">
               <a:buNone/>
             </a:pPr>
-            <a:endParaRPr lang="en-US" sz="5400" dirty="0" smtClean="0"/>
+            <a:endParaRPr lang="en-US" sz="5400" dirty="0"/>
           </a:p>
           <a:p>
             <a:pPr marL="0" indent="0">
               <a:buNone/>
             </a:pPr>
-            <a:endParaRPr lang="en-US" sz="5400" dirty="0"/>
-          </a:p>
-          <a:p>
-            <a:pPr marL="0" indent="0">
-              <a:buNone/>
-            </a:pPr>
-            <a:endParaRPr lang="en-US" sz="5400" dirty="0" smtClean="0"/>
-          </a:p>
-          <a:p>
-            <a:pPr marL="0" indent="0">
-              <a:buNone/>
-            </a:pPr>
-            <a:endParaRPr lang="en-US" sz="5400" dirty="0" smtClean="0"/>
-          </a:p>
-          <a:p>
-            <a:r>
-              <a:rPr lang="en-US" sz="5400" dirty="0" smtClean="0"/>
+            <a:endParaRPr lang="en-US" sz="4800" dirty="0" smtClean="0"/>
+          </a:p>
+          <a:p>
+            <a:r>
+              <a:rPr lang="en-US" sz="4800" dirty="0" smtClean="0"/>
               <a:t>iPhone® app</a:t>
             </a:r>
           </a:p>
           <a:p>
             <a:r>
-              <a:rPr lang="en-US" sz="5400" dirty="0" smtClean="0"/>
+              <a:rPr lang="en-US" sz="4800" dirty="0" smtClean="0"/>
               <a:t>“Controls the system”</a:t>
             </a:r>
           </a:p>
           <a:p>
             <a:r>
-              <a:rPr lang="en-US" sz="5400" dirty="0" smtClean="0"/>
+              <a:rPr lang="en-US" sz="4800" dirty="0" smtClean="0"/>
               <a:t>Sends commands to the server</a:t>
             </a:r>
           </a:p>
           <a:p>
             <a:pPr lvl="1"/>
             <a:r>
-              <a:rPr lang="en-US" sz="5400" dirty="0" smtClean="0"/>
+              <a:rPr lang="en-US" sz="4800" dirty="0" smtClean="0"/>
               <a:t>Play a song</a:t>
             </a:r>
           </a:p>
           <a:p>
             <a:pPr lvl="1"/>
             <a:r>
-              <a:rPr lang="en-US" sz="5400" dirty="0" smtClean="0"/>
+              <a:rPr lang="en-US" sz="4800" dirty="0" smtClean="0"/>
               <a:t>Pause a song</a:t>
             </a:r>
           </a:p>
           <a:p>
             <a:pPr lvl="1"/>
             <a:r>
-              <a:rPr lang="en-US" sz="5400" dirty="0" smtClean="0"/>
+              <a:rPr lang="en-US" sz="4800" dirty="0" smtClean="0"/>
               <a:t>Can change each channel’s brightness</a:t>
             </a:r>
           </a:p>
           <a:p>
             <a:r>
-              <a:rPr lang="en-US" sz="5400" dirty="0" smtClean="0"/>
+              <a:rPr lang="en-US" sz="4800" dirty="0" smtClean="0"/>
               <a:t>Sends commands using JSON data format</a:t>
             </a:r>
           </a:p>
@@ -3293,7 +3313,7 @@
         </p:nvSpPr>
         <p:spPr>
           <a:xfrm>
-            <a:off x="14683740" y="6400800"/>
+            <a:off x="14683738" y="16159296"/>
             <a:ext cx="10866119" cy="2900255"/>
           </a:xfrm>
         </p:spPr>
@@ -3304,7 +3324,7 @@
             <a:pPr algn="ctr"/>
             <a:r>
               <a:rPr lang="en-US" dirty="0" smtClean="0"/>
-              <a:t>Server</a:t>
+              <a:t>Architecture</a:t>
             </a:r>
             <a:endParaRPr lang="en-US" dirty="0"/>
           </a:p>
@@ -3322,45 +3342,61 @@
         </p:nvSpPr>
         <p:spPr>
           <a:xfrm>
-            <a:off x="14683740" y="9301055"/>
-            <a:ext cx="10866119" cy="17912505"/>
+            <a:off x="13639800" y="9313702"/>
+            <a:ext cx="13182600" cy="7720755"/>
           </a:xfrm>
         </p:spPr>
         <p:txBody>
-          <a:bodyPr/>
-          <a:lstStyle/>
-          <a:p>
-            <a:r>
-              <a:rPr lang="en-US" sz="5400" dirty="0" smtClean="0"/>
-              <a:t>Stuff about the server</a:t>
-            </a:r>
-          </a:p>
-          <a:p>
-            <a:endParaRPr lang="en-US" sz="5400" dirty="0"/>
+          <a:bodyPr>
+            <a:normAutofit fontScale="92500" lnSpcReduction="20000"/>
+          </a:bodyPr>
+          <a:lstStyle/>
+          <a:p>
+            <a:pPr>
+              <a:lnSpc>
+                <a:spcPct val="150000"/>
+              </a:lnSpc>
+            </a:pPr>
+            <a:r>
+              <a:rPr lang="en-US" sz="5200" dirty="0" smtClean="0"/>
+              <a:t>XBMC Plugin</a:t>
+            </a:r>
+          </a:p>
+          <a:p>
+            <a:pPr>
+              <a:lnSpc>
+                <a:spcPct val="150000"/>
+              </a:lnSpc>
+            </a:pPr>
+            <a:r>
+              <a:rPr lang="en-US" sz="5200" dirty="0"/>
+              <a:t>Designed for network playback and supports almost all audio and video formats</a:t>
+            </a:r>
+          </a:p>
+          <a:p>
+            <a:pPr>
+              <a:lnSpc>
+                <a:spcPct val="150000"/>
+              </a:lnSpc>
+            </a:pPr>
+            <a:r>
+              <a:rPr lang="en-US" sz="5200" dirty="0"/>
+              <a:t>Includes a built-in Python interpreter which allows users to develop add-ons </a:t>
+            </a:r>
+          </a:p>
+          <a:p>
+            <a:pPr>
+              <a:lnSpc>
+                <a:spcPct val="150000"/>
+              </a:lnSpc>
+            </a:pPr>
+            <a:r>
+              <a:rPr lang="en-US" sz="5200" dirty="0"/>
+              <a:t>Works on Linux, OSX, &amp; Windows</a:t>
+            </a:r>
           </a:p>
           <a:p>
             <a:endParaRPr lang="en-US" sz="5400" dirty="0" smtClean="0"/>
-          </a:p>
-          <a:p>
-            <a:endParaRPr lang="en-US" sz="5400" dirty="0"/>
-          </a:p>
-          <a:p>
-            <a:endParaRPr lang="en-US" sz="5400" dirty="0" smtClean="0"/>
-          </a:p>
-          <a:p>
-            <a:endParaRPr lang="en-US" sz="5400" dirty="0"/>
-          </a:p>
-          <a:p>
-            <a:endParaRPr lang="en-US" sz="5400" dirty="0" smtClean="0"/>
-          </a:p>
-          <a:p>
-            <a:r>
-              <a:rPr lang="en-US" sz="9600" dirty="0"/>
-              <a:t>??diagram of system from app to server to hardware</a:t>
-            </a:r>
-          </a:p>
-          <a:p>
-            <a:endParaRPr lang="en-US" sz="5400" dirty="0"/>
           </a:p>
         </p:txBody>
       </p:sp>
@@ -3406,7 +3442,7 @@
         <p:spPr>
           <a:xfrm>
             <a:off x="27355800" y="9224855"/>
-            <a:ext cx="10866119" cy="17912505"/>
+            <a:ext cx="10866119" cy="8224947"/>
           </a:xfrm>
         </p:spPr>
         <p:txBody>
@@ -3415,11 +3451,47 @@
           </a:bodyPr>
           <a:lstStyle/>
           <a:p>
+            <a:pPr marL="0" indent="0">
+              <a:buNone/>
+            </a:pPr>
+            <a:r>
+              <a:rPr lang="en-US" sz="5400" dirty="0" err="1" smtClean="0"/>
+              <a:t>Renard</a:t>
+            </a:r>
+            <a:r>
+              <a:rPr lang="en-US" sz="5400" dirty="0"/>
+              <a:t> 64XC	</a:t>
+            </a:r>
             <a:r>
               <a:rPr lang="en-US" sz="5400" dirty="0" smtClean="0"/>
-              <a:t>Hardware information and pictures</a:t>
+              <a:t>                 </a:t>
+            </a:r>
+            <a:r>
+              <a:rPr lang="en-US" sz="5400" dirty="0" err="1" smtClean="0"/>
+              <a:t>SSRez</a:t>
             </a:r>
             <a:endParaRPr lang="en-US" sz="5400" dirty="0"/>
+          </a:p>
+          <a:p>
+            <a:pPr marL="0" indent="0">
+              <a:buNone/>
+            </a:pPr>
+            <a:endParaRPr lang="en-US" sz="5400" dirty="0" smtClean="0"/>
+          </a:p>
+          <a:p>
+            <a:endParaRPr lang="en-US" sz="5400" dirty="0"/>
+          </a:p>
+          <a:p>
+            <a:endParaRPr lang="en-US" sz="5400" dirty="0" smtClean="0"/>
+          </a:p>
+          <a:p>
+            <a:endParaRPr lang="en-US" sz="5400" dirty="0"/>
+          </a:p>
+          <a:p>
+            <a:pPr marL="0" indent="0">
+              <a:buNone/>
+            </a:pPr>
+            <a:endParaRPr lang="en-US" sz="5400" dirty="0" smtClean="0"/>
           </a:p>
         </p:txBody>
       </p:sp>
@@ -3515,89 +3587,9 @@
           </a:extLst>
         </p:spPr>
       </p:pic>
-      <p:sp>
-        <p:nvSpPr>
-          <p:cNvPr id="3" name="Right Arrow 2"/>
-          <p:cNvSpPr/>
-          <p:nvPr/>
-        </p:nvSpPr>
-        <p:spPr>
-          <a:xfrm>
-            <a:off x="13030200" y="12522868"/>
-            <a:ext cx="1981200" cy="1143000"/>
-          </a:xfrm>
-          <a:prstGeom prst="rightArrow">
-            <a:avLst/>
-          </a:prstGeom>
-        </p:spPr>
-        <p:style>
-          <a:lnRef idx="2">
-            <a:schemeClr val="accent1">
-              <a:shade val="50000"/>
-            </a:schemeClr>
-          </a:lnRef>
-          <a:fillRef idx="1">
-            <a:schemeClr val="accent1"/>
-          </a:fillRef>
-          <a:effectRef idx="0">
-            <a:schemeClr val="accent1"/>
-          </a:effectRef>
-          <a:fontRef idx="minor">
-            <a:schemeClr val="lt1"/>
-          </a:fontRef>
-        </p:style>
-        <p:txBody>
-          <a:bodyPr rtlCol="0" anchor="ctr"/>
-          <a:lstStyle/>
-          <a:p>
-            <a:pPr algn="ctr"/>
-            <a:endParaRPr lang="en-US"/>
-          </a:p>
-        </p:txBody>
-      </p:sp>
-      <p:sp>
-        <p:nvSpPr>
-          <p:cNvPr id="15" name="Right Arrow 14"/>
-          <p:cNvSpPr/>
-          <p:nvPr/>
-        </p:nvSpPr>
-        <p:spPr>
-          <a:xfrm>
-            <a:off x="25222200" y="12496800"/>
-            <a:ext cx="1981200" cy="1143000"/>
-          </a:xfrm>
-          <a:prstGeom prst="rightArrow">
-            <a:avLst/>
-          </a:prstGeom>
-        </p:spPr>
-        <p:style>
-          <a:lnRef idx="2">
-            <a:schemeClr val="accent1">
-              <a:shade val="50000"/>
-            </a:schemeClr>
-          </a:lnRef>
-          <a:fillRef idx="1">
-            <a:schemeClr val="accent1"/>
-          </a:fillRef>
-          <a:effectRef idx="0">
-            <a:schemeClr val="accent1"/>
-          </a:effectRef>
-          <a:fontRef idx="minor">
-            <a:schemeClr val="lt1"/>
-          </a:fontRef>
-        </p:style>
-        <p:txBody>
-          <a:bodyPr rtlCol="0" anchor="ctr"/>
-          <a:lstStyle/>
-          <a:p>
-            <a:pPr algn="ctr"/>
-            <a:endParaRPr lang="en-US"/>
-          </a:p>
-        </p:txBody>
-      </p:sp>
       <p:pic>
         <p:nvPicPr>
-          <p:cNvPr id="1026" name="Picture 2" descr="C:\Users\1920221\Dropbox\Senior Design\storyboard.png"/>
+          <p:cNvPr id="1026" name="Picture 2" descr="REN64 XC.jpg"/>
           <p:cNvPicPr>
             <a:picLocks noChangeAspect="1" noChangeArrowheads="1"/>
           </p:cNvPicPr>
@@ -3617,8 +3609,144 @@
           </a:stretch>
         </p:blipFill>
         <p:spPr bwMode="auto">
+          <a:xfrm rot="5400000">
+            <a:off x="27427008" y="11332270"/>
+            <a:ext cx="5141502" cy="3860082"/>
+          </a:xfrm>
+          <a:prstGeom prst="rect">
+            <a:avLst/>
+          </a:prstGeom>
+          <a:noFill/>
+          <a:extLst>
+            <a:ext uri="{909E8E84-426E-40DD-AFC4-6F175D3DCCD1}">
+              <a14:hiddenFill xmlns:a14="http://schemas.microsoft.com/office/drawing/2010/main">
+                <a:solidFill>
+                  <a:srgbClr val="FFFFFF"/>
+                </a:solidFill>
+              </a14:hiddenFill>
+            </a:ext>
+          </a:extLst>
+        </p:spPr>
+      </p:pic>
+      <p:pic>
+        <p:nvPicPr>
+          <p:cNvPr id="1028" name="Picture 4" descr="Version 1.3a"/>
+          <p:cNvPicPr>
+            <a:picLocks noChangeAspect="1" noChangeArrowheads="1"/>
+          </p:cNvPicPr>
+          <p:nvPr/>
+        </p:nvPicPr>
+        <p:blipFill>
+          <a:blip r:embed="rId5">
+            <a:extLst>
+              <a:ext uri="{28A0092B-C50C-407E-A947-70E740481C1C}">
+                <a14:useLocalDpi xmlns:a14="http://schemas.microsoft.com/office/drawing/2010/main" val="0"/>
+              </a:ext>
+            </a:extLst>
+          </a:blip>
+          <a:srcRect/>
+          <a:stretch>
+            <a:fillRect/>
+          </a:stretch>
+        </p:blipFill>
+        <p:spPr bwMode="auto">
           <a:xfrm>
-            <a:off x="2801439" y="9982200"/>
+            <a:off x="33629025" y="10691560"/>
+            <a:ext cx="3476532" cy="4853240"/>
+          </a:xfrm>
+          <a:prstGeom prst="rect">
+            <a:avLst/>
+          </a:prstGeom>
+          <a:noFill/>
+          <a:extLst>
+            <a:ext uri="{909E8E84-426E-40DD-AFC4-6F175D3DCCD1}">
+              <a14:hiddenFill xmlns:a14="http://schemas.microsoft.com/office/drawing/2010/main">
+                <a:solidFill>
+                  <a:srgbClr val="FFFFFF"/>
+                </a:solidFill>
+              </a14:hiddenFill>
+            </a:ext>
+          </a:extLst>
+        </p:spPr>
+      </p:pic>
+      <p:pic>
+        <p:nvPicPr>
+          <p:cNvPr id="1029" name="Picture 5"/>
+          <p:cNvPicPr>
+            <a:picLocks noChangeAspect="1" noChangeArrowheads="1"/>
+          </p:cNvPicPr>
+          <p:nvPr/>
+        </p:nvPicPr>
+        <p:blipFill>
+          <a:blip r:embed="rId6">
+            <a:extLst>
+              <a:ext uri="{28A0092B-C50C-407E-A947-70E740481C1C}">
+                <a14:useLocalDpi xmlns:a14="http://schemas.microsoft.com/office/drawing/2010/main" val="0"/>
+              </a:ext>
+            </a:extLst>
+          </a:blip>
+          <a:srcRect/>
+          <a:stretch>
+            <a:fillRect/>
+          </a:stretch>
+        </p:blipFill>
+        <p:spPr bwMode="auto">
+          <a:xfrm>
+            <a:off x="12823402" y="19725897"/>
+            <a:ext cx="14586793" cy="11363703"/>
+          </a:xfrm>
+          <a:prstGeom prst="rect">
+            <a:avLst/>
+          </a:prstGeom>
+          <a:noFill/>
+          <a:ln>
+            <a:noFill/>
+          </a:ln>
+          <a:extLst>
+            <a:ext uri="{909E8E84-426E-40DD-AFC4-6F175D3DCCD1}">
+              <a14:hiddenFill xmlns:a14="http://schemas.microsoft.com/office/drawing/2010/main">
+                <a:solidFill>
+                  <a:schemeClr val="accent1"/>
+                </a:solidFill>
+              </a14:hiddenFill>
+            </a:ext>
+            <a:ext uri="{91240B29-F687-4F45-9708-019B960494DF}">
+              <a14:hiddenLine xmlns:a14="http://schemas.microsoft.com/office/drawing/2010/main" w="9525">
+                <a:solidFill>
+                  <a:schemeClr val="tx1"/>
+                </a:solidFill>
+                <a:miter lim="800000"/>
+                <a:headEnd/>
+                <a:tailEnd/>
+              </a14:hiddenLine>
+            </a:ext>
+          </a:extLst>
+        </p:spPr>
+      </p:pic>
+      <p:pic>
+        <p:nvPicPr>
+          <p:cNvPr id="19" name="Picture 2" descr="C:\Users\1920221\Dropbox\Senior Design\storyboard.png"/>
+          <p:cNvPicPr>
+            <a:picLocks noChangeAspect="1" noChangeArrowheads="1"/>
+          </p:cNvPicPr>
+          <p:nvPr/>
+        </p:nvPicPr>
+        <p:blipFill>
+          <a:blip r:embed="rId7">
+            <a:extLst>
+              <a:ext uri="{28A0092B-C50C-407E-A947-70E740481C1C}">
+                <a14:useLocalDpi xmlns:a14="http://schemas.microsoft.com/office/drawing/2010/main" val="0"/>
+              </a:ext>
+            </a:extLst>
+          </a:blip>
+          <a:srcRect/>
+          <a:stretch>
+            <a:fillRect/>
+          </a:stretch>
+        </p:blipFill>
+        <p:spPr bwMode="auto">
+          <a:xfrm>
+            <a:off x="2801439" y="9171701"/>
             <a:ext cx="8698774" cy="6702334"/>
           </a:xfrm>
           <a:prstGeom prst="rect">
@@ -3636,6 +3764,198 @@
           </a:extLst>
         </p:spPr>
       </p:pic>
+      <p:sp>
+        <p:nvSpPr>
+          <p:cNvPr id="22" name="Text Placeholder 3"/>
+          <p:cNvSpPr>
+            <a:spLocks noGrp="1"/>
+          </p:cNvSpPr>
+          <p:nvPr>
+            <p:ph type="body" idx="1"/>
+          </p:nvPr>
+        </p:nvSpPr>
+        <p:spPr>
+          <a:xfrm>
+            <a:off x="14683740" y="6554156"/>
+            <a:ext cx="10866119" cy="2636595"/>
+          </a:xfrm>
+        </p:spPr>
+        <p:txBody>
+          <a:bodyPr anchor="b"/>
+          <a:lstStyle/>
+          <a:p>
+            <a:pPr algn="ctr"/>
+            <a:r>
+              <a:rPr lang="en-US" dirty="0" smtClean="0"/>
+              <a:t>Client Application</a:t>
+            </a:r>
+            <a:endParaRPr lang="en-US" dirty="0"/>
+          </a:p>
+        </p:txBody>
+      </p:sp>
+      <p:sp>
+        <p:nvSpPr>
+          <p:cNvPr id="23" name="Text Placeholder 3"/>
+          <p:cNvSpPr>
+            <a:spLocks noGrp="1"/>
+          </p:cNvSpPr>
+          <p:nvPr>
+            <p:ph type="body" idx="1"/>
+          </p:nvPr>
+        </p:nvSpPr>
+        <p:spPr>
+          <a:xfrm>
+            <a:off x="27410195" y="15860370"/>
+            <a:ext cx="10866119" cy="2900255"/>
+          </a:xfrm>
+        </p:spPr>
+        <p:txBody>
+          <a:bodyPr/>
+          <a:lstStyle/>
+          <a:p>
+            <a:pPr algn="ctr"/>
+            <a:r>
+              <a:rPr lang="en-US" dirty="0" smtClean="0"/>
+              <a:t>Server</a:t>
+            </a:r>
+            <a:endParaRPr lang="en-US" dirty="0"/>
+          </a:p>
+        </p:txBody>
+      </p:sp>
+      <p:sp>
+        <p:nvSpPr>
+          <p:cNvPr id="24" name="Content Placeholder 4"/>
+          <p:cNvSpPr>
+            <a:spLocks noGrp="1"/>
+          </p:cNvSpPr>
+          <p:nvPr>
+            <p:ph sz="half" idx="2"/>
+          </p:nvPr>
+        </p:nvSpPr>
+        <p:spPr>
+          <a:xfrm>
+            <a:off x="28067718" y="19050000"/>
+            <a:ext cx="10898558" cy="10287000"/>
+          </a:xfrm>
+        </p:spPr>
+        <p:txBody>
+          <a:bodyPr>
+            <a:normAutofit fontScale="25000" lnSpcReduction="20000"/>
+          </a:bodyPr>
+          <a:lstStyle/>
+          <a:p>
+            <a:pPr marL="285750" indent="-285750">
+              <a:lnSpc>
+                <a:spcPct val="170000"/>
+              </a:lnSpc>
+            </a:pPr>
+            <a:r>
+              <a:rPr lang="en-US" sz="19200" dirty="0"/>
+              <a:t>Amazon EC2 instance running Ubuntu</a:t>
+            </a:r>
+          </a:p>
+          <a:p>
+            <a:pPr marL="285750" indent="-285750">
+              <a:lnSpc>
+                <a:spcPct val="170000"/>
+              </a:lnSpc>
+            </a:pPr>
+            <a:r>
+              <a:rPr lang="en-US" sz="19200" dirty="0"/>
+              <a:t>Mobile device sends notifications or requests to the EC2 server.</a:t>
+            </a:r>
+          </a:p>
+          <a:p>
+            <a:pPr marL="285750" indent="-285750">
+              <a:lnSpc>
+                <a:spcPct val="170000"/>
+              </a:lnSpc>
+            </a:pPr>
+            <a:r>
+              <a:rPr lang="en-US" sz="19200" dirty="0"/>
+              <a:t>Computer connected to lighting controller queries EC2 instance for new information.</a:t>
+            </a:r>
+          </a:p>
+          <a:p>
+            <a:pPr marL="285750" indent="-285750">
+              <a:lnSpc>
+                <a:spcPct val="170000"/>
+              </a:lnSpc>
+            </a:pPr>
+            <a:r>
+              <a:rPr lang="en-US" sz="19200" dirty="0"/>
+              <a:t>Prevents having any issues with firewalls, network configuration, etc.</a:t>
+            </a:r>
+          </a:p>
+          <a:p>
+            <a:endParaRPr lang="en-US" sz="5400" dirty="0" smtClean="0"/>
+          </a:p>
+        </p:txBody>
+      </p:sp>
+      <p:pic>
+        <p:nvPicPr>
+          <p:cNvPr id="14" name="Picture 4"/>
+          <p:cNvPicPr>
+            <a:picLocks noChangeAspect="1" noChangeArrowheads="1"/>
+          </p:cNvPicPr>
+          <p:nvPr/>
+        </p:nvPicPr>
+        <p:blipFill>
+          <a:blip r:embed="rId8">
+            <a:extLst>
+              <a:ext uri="{28A0092B-C50C-407E-A947-70E740481C1C}">
+                <a14:useLocalDpi xmlns:a14="http://schemas.microsoft.com/office/drawing/2010/main" val="0"/>
+              </a:ext>
+            </a:extLst>
+          </a:blip>
+          <a:srcRect/>
+          <a:stretch>
+            <a:fillRect/>
+          </a:stretch>
+        </p:blipFill>
+        <p:spPr bwMode="auto">
+          <a:xfrm>
+            <a:off x="939301" y="25407748"/>
+            <a:ext cx="3724275" cy="5153025"/>
+          </a:xfrm>
+          <a:prstGeom prst="rect">
+            <a:avLst/>
+          </a:prstGeom>
+          <a:noFill/>
+          <a:ln>
+            <a:noFill/>
+          </a:ln>
+          <a:effectLst/>
+          <a:extLst>
+            <a:ext uri="{909E8E84-426E-40DD-AFC4-6F175D3DCCD1}">
+              <a14:hiddenFill xmlns:a14="http://schemas.microsoft.com/office/drawing/2010/main">
+                <a:solidFill>
+                  <a:schemeClr val="accent1"/>
+                </a:solidFill>
+              </a14:hiddenFill>
+            </a:ext>
+            <a:ext uri="{91240B29-F687-4F45-9708-019B960494DF}">
+              <a14:hiddenLine xmlns:a14="http://schemas.microsoft.com/office/drawing/2010/main" w="9525">
+                <a:solidFill>
+                  <a:schemeClr val="tx1"/>
+                </a:solidFill>
+                <a:miter lim="800000"/>
+                <a:headEnd/>
+                <a:tailEnd/>
+              </a14:hiddenLine>
+            </a:ext>
+            <a:ext uri="{AF507438-7753-43E0-B8FC-AC1667EBCBE1}">
+              <a14:hiddenEffects xmlns:a14="http://schemas.microsoft.com/office/drawing/2010/main">
+                <a:effectLst>
+                  <a:outerShdw dist="35921" dir="2700000" algn="ctr" rotWithShape="0">
+                    <a:schemeClr val="bg2"/>
+                  </a:outerShdw>
+                </a:effectLst>
+              </a14:hiddenEffects>
+            </a:ext>
+          </a:extLst>
+        </p:spPr>
+      </p:pic>
     </p:spTree>
     <p:extLst>
       <p:ext uri="{BB962C8B-B14F-4D97-AF65-F5344CB8AC3E}">
@@ -3646,39 +3966,46 @@
   <p:clrMapOvr>
     <a:masterClrMapping/>
   </p:clrMapOvr>
+  <p:timing>
+    <p:tnLst>
+      <p:par>
+        <p:cTn id="1" dur="indefinite" restart="never" nodeType="tmRoot"/>
+      </p:par>
+    </p:tnLst>
+  </p:timing>
 </p:sld>
 </file>
 
 <file path=ppt/theme/theme1.xml><?xml version="1.0" encoding="utf-8"?>
 <a:theme xmlns:a="http://schemas.openxmlformats.org/drawingml/2006/main" name="Office Theme">
   <a:themeElements>
-    <a:clrScheme name="Office">
+    <a:clrScheme name="SDSMT">
       <a:dk1>
-        <a:sysClr val="windowText" lastClr="000000"/>
+        <a:srgbClr val="071D49"/>
       </a:dk1>
       <a:lt1>
         <a:sysClr val="window" lastClr="FFFFFF"/>
       </a:lt1>
       <a:dk2>
-        <a:srgbClr val="1F497D"/>
+        <a:srgbClr val="B3A369"/>
       </a:dk2>
       <a:lt2>
         <a:srgbClr val="EEECE1"/>
       </a:lt2>
       <a:accent1>
-        <a:srgbClr val="4F81BD"/>
+        <a:srgbClr val="F0E87B"/>
       </a:accent1>
       <a:accent2>
-        <a:srgbClr val="C0504D"/>
+        <a:srgbClr val="F8AE19"/>
       </a:accent2>
       <a:accent3>
-        <a:srgbClr val="9BBB59"/>
+        <a:srgbClr val="319B42"/>
       </a:accent3>
       <a:accent4>
-        <a:srgbClr val="8064A2"/>
+        <a:srgbClr val="C3D7EE"/>
       </a:accent4>
       <a:accent5>
-        <a:srgbClr val="4BACC6"/>
+        <a:srgbClr val="AF272F"/>
       </a:accent5>
       <a:accent6>
         <a:srgbClr val="F79646"/>
